--- a/発表資料/Play With.pptx
+++ b/発表資料/Play With.pptx
@@ -8,10 +8,11 @@
     <p:sldId id="256" r:id="rId2"/>
     <p:sldId id="257" r:id="rId3"/>
     <p:sldId id="258" r:id="rId4"/>
-    <p:sldId id="262" r:id="rId5"/>
-    <p:sldId id="259" r:id="rId6"/>
-    <p:sldId id="260" r:id="rId7"/>
-    <p:sldId id="261" r:id="rId8"/>
+    <p:sldId id="263" r:id="rId5"/>
+    <p:sldId id="262" r:id="rId6"/>
+    <p:sldId id="259" r:id="rId7"/>
+    <p:sldId id="260" r:id="rId8"/>
+    <p:sldId id="261" r:id="rId9"/>
   </p:sldIdLst>
   <p:sldSz cx="12192000" cy="6858000"/>
   <p:notesSz cx="6858000" cy="9144000"/>
@@ -5242,6 +5243,508 @@
       </p:grpSpPr>
       <p:sp useBgFill="1">
         <p:nvSpPr>
+          <p:cNvPr id="8" name="Rectangle 7">
+            <a:extLst>
+              <a:ext uri="{FF2B5EF4-FFF2-40B4-BE49-F238E27FC236}">
+                <a16:creationId xmlns:a16="http://schemas.microsoft.com/office/drawing/2014/main" id="{1B15ED52-F352-441B-82BF-E0EA34836D08}"/>
+              </a:ext>
+              <a:ext uri="{C183D7F6-B498-43B3-948B-1728B52AA6E4}">
+                <adec:decorative xmlns:adec="http://schemas.microsoft.com/office/drawing/2017/decorative" val="1"/>
+              </a:ext>
+            </a:extLst>
+          </p:cNvPr>
+          <p:cNvSpPr>
+            <a:spLocks noGrp="1" noRot="1" noChangeAspect="1" noMove="1" noResize="1" noEditPoints="1" noAdjustHandles="1" noChangeArrowheads="1" noChangeShapeType="1" noTextEdit="1"/>
+          </p:cNvSpPr>
+          <p:nvPr>
+            <p:extLst>
+              <p:ext uri="{386F3935-93C4-4BCD-93E2-E3B085C9AB24}">
+                <p16:designElem xmlns:p16="http://schemas.microsoft.com/office/powerpoint/2015/main" val="1"/>
+              </p:ext>
+            </p:extLst>
+          </p:nvPr>
+        </p:nvSpPr>
+        <p:spPr>
+          <a:xfrm>
+            <a:off x="0" y="0"/>
+            <a:ext cx="12192000" cy="6858000"/>
+          </a:xfrm>
+          <a:prstGeom prst="rect">
+            <a:avLst/>
+          </a:prstGeom>
+          <a:ln w="12700" cap="flat" cmpd="sng" algn="ctr">
+            <a:noFill/>
+            <a:prstDash val="solid"/>
+            <a:miter lim="800000"/>
+          </a:ln>
+          <a:effectLst/>
+          <a:extLst>
+            <a:ext uri="{91240B29-F687-4F45-9708-019B960494DF}">
+              <a14:hiddenLine xmlns:a14="http://schemas.microsoft.com/office/drawing/2010/main" w="12700" cap="flat" cmpd="sng" algn="ctr">
+                <a:solidFill>
+                  <a:schemeClr val="accent1">
+                    <a:shade val="50000"/>
+                  </a:schemeClr>
+                </a:solidFill>
+                <a:prstDash val="solid"/>
+                <a:miter lim="800000"/>
+              </a14:hiddenLine>
+            </a:ext>
+          </a:extLst>
+        </p:spPr>
+        <p:style>
+          <a:lnRef idx="2">
+            <a:schemeClr val="accent1">
+              <a:shade val="50000"/>
+            </a:schemeClr>
+          </a:lnRef>
+          <a:fillRef idx="1">
+            <a:schemeClr val="accent1"/>
+          </a:fillRef>
+          <a:effectRef idx="0">
+            <a:schemeClr val="accent1"/>
+          </a:effectRef>
+          <a:fontRef idx="minor">
+            <a:schemeClr val="lt1"/>
+          </a:fontRef>
+        </p:style>
+        <p:txBody>
+          <a:bodyPr rtlCol="0" anchor="ctr"/>
+          <a:lstStyle/>
+          <a:p>
+            <a:pPr algn="ctr"/>
+            <a:endParaRPr lang="en-US"/>
+          </a:p>
+        </p:txBody>
+      </p:sp>
+      <p:sp>
+        <p:nvSpPr>
+          <p:cNvPr id="10" name="Rectangle 9">
+            <a:extLst>
+              <a:ext uri="{FF2B5EF4-FFF2-40B4-BE49-F238E27FC236}">
+                <a16:creationId xmlns:a16="http://schemas.microsoft.com/office/drawing/2014/main" id="{3B2E3793-BFE6-45A2-9B7B-E18844431C99}"/>
+              </a:ext>
+              <a:ext uri="{C183D7F6-B498-43B3-948B-1728B52AA6E4}">
+                <adec:decorative xmlns:adec="http://schemas.microsoft.com/office/drawing/2017/decorative" val="1"/>
+              </a:ext>
+            </a:extLst>
+          </p:cNvPr>
+          <p:cNvSpPr>
+            <a:spLocks noGrp="1" noRot="1" noChangeAspect="1" noMove="1" noResize="1" noEditPoints="1" noAdjustHandles="1" noChangeArrowheads="1" noChangeShapeType="1" noTextEdit="1"/>
+          </p:cNvSpPr>
+          <p:nvPr>
+            <p:extLst>
+              <p:ext uri="{386F3935-93C4-4BCD-93E2-E3B085C9AB24}">
+                <p16:designElem xmlns:p16="http://schemas.microsoft.com/office/powerpoint/2015/main" val="1"/>
+              </p:ext>
+            </p:extLst>
+          </p:nvPr>
+        </p:nvSpPr>
+        <p:spPr>
+          <a:xfrm flipH="1">
+            <a:off x="-1" y="-1"/>
+            <a:ext cx="12191998" cy="1590742"/>
+          </a:xfrm>
+          <a:prstGeom prst="rect">
+            <a:avLst/>
+          </a:prstGeom>
+          <a:gradFill>
+            <a:gsLst>
+              <a:gs pos="0">
+                <a:srgbClr val="000000"/>
+              </a:gs>
+              <a:gs pos="100000">
+                <a:schemeClr val="accent1">
+                  <a:lumMod val="75000"/>
+                </a:schemeClr>
+              </a:gs>
+            </a:gsLst>
+            <a:lin ang="8400000" scaled="0"/>
+          </a:gradFill>
+          <a:ln>
+            <a:noFill/>
+          </a:ln>
+        </p:spPr>
+        <p:style>
+          <a:lnRef idx="2">
+            <a:schemeClr val="accent1">
+              <a:shade val="50000"/>
+            </a:schemeClr>
+          </a:lnRef>
+          <a:fillRef idx="1">
+            <a:schemeClr val="accent1"/>
+          </a:fillRef>
+          <a:effectRef idx="0">
+            <a:schemeClr val="accent1"/>
+          </a:effectRef>
+          <a:fontRef idx="minor">
+            <a:schemeClr val="lt1"/>
+          </a:fontRef>
+        </p:style>
+        <p:txBody>
+          <a:bodyPr rtlCol="0" anchor="ctr"/>
+          <a:lstStyle/>
+          <a:p>
+            <a:pPr algn="ctr"/>
+            <a:endParaRPr lang="en-US"/>
+          </a:p>
+        </p:txBody>
+      </p:sp>
+      <p:sp>
+        <p:nvSpPr>
+          <p:cNvPr id="12" name="Rectangle 11">
+            <a:extLst>
+              <a:ext uri="{FF2B5EF4-FFF2-40B4-BE49-F238E27FC236}">
+                <a16:creationId xmlns:a16="http://schemas.microsoft.com/office/drawing/2014/main" id="{BC4C4868-CB8F-4AF9-9CDB-8108F2C19B67}"/>
+              </a:ext>
+              <a:ext uri="{C183D7F6-B498-43B3-948B-1728B52AA6E4}">
+                <adec:decorative xmlns:adec="http://schemas.microsoft.com/office/drawing/2017/decorative" val="1"/>
+              </a:ext>
+            </a:extLst>
+          </p:cNvPr>
+          <p:cNvSpPr>
+            <a:spLocks noGrp="1" noRot="1" noChangeAspect="1" noMove="1" noResize="1" noEditPoints="1" noAdjustHandles="1" noChangeArrowheads="1" noChangeShapeType="1" noTextEdit="1"/>
+          </p:cNvSpPr>
+          <p:nvPr>
+            <p:extLst>
+              <p:ext uri="{386F3935-93C4-4BCD-93E2-E3B085C9AB24}">
+                <p16:designElem xmlns:p16="http://schemas.microsoft.com/office/powerpoint/2015/main" val="1"/>
+              </p:ext>
+            </p:extLst>
+          </p:nvPr>
+        </p:nvSpPr>
+        <p:spPr>
+          <a:xfrm rot="10800000" flipH="1">
+            <a:off x="-3" y="0"/>
+            <a:ext cx="8115306" cy="1590742"/>
+          </a:xfrm>
+          <a:prstGeom prst="rect">
+            <a:avLst/>
+          </a:prstGeom>
+          <a:gradFill>
+            <a:gsLst>
+              <a:gs pos="20000">
+                <a:schemeClr val="accent1">
+                  <a:alpha val="0"/>
+                </a:schemeClr>
+              </a:gs>
+              <a:gs pos="100000">
+                <a:schemeClr val="accent1">
+                  <a:lumMod val="50000"/>
+                  <a:alpha val="55000"/>
+                </a:schemeClr>
+              </a:gs>
+            </a:gsLst>
+            <a:lin ang="13800000" scaled="0"/>
+          </a:gradFill>
+          <a:ln>
+            <a:noFill/>
+          </a:ln>
+        </p:spPr>
+        <p:style>
+          <a:lnRef idx="2">
+            <a:schemeClr val="accent1">
+              <a:shade val="50000"/>
+            </a:schemeClr>
+          </a:lnRef>
+          <a:fillRef idx="1">
+            <a:schemeClr val="accent1"/>
+          </a:fillRef>
+          <a:effectRef idx="0">
+            <a:schemeClr val="accent1"/>
+          </a:effectRef>
+          <a:fontRef idx="minor">
+            <a:schemeClr val="lt1"/>
+          </a:fontRef>
+        </p:style>
+        <p:txBody>
+          <a:bodyPr rtlCol="0" anchor="ctr"/>
+          <a:lstStyle/>
+          <a:p>
+            <a:pPr algn="ctr"/>
+            <a:endParaRPr lang="en-US"/>
+          </a:p>
+        </p:txBody>
+      </p:sp>
+      <p:sp>
+        <p:nvSpPr>
+          <p:cNvPr id="14" name="Rectangle 13">
+            <a:extLst>
+              <a:ext uri="{FF2B5EF4-FFF2-40B4-BE49-F238E27FC236}">
+                <a16:creationId xmlns:a16="http://schemas.microsoft.com/office/drawing/2014/main" id="{375E0459-6403-40CD-989D-56A4407CA12E}"/>
+              </a:ext>
+              <a:ext uri="{C183D7F6-B498-43B3-948B-1728B52AA6E4}">
+                <adec:decorative xmlns:adec="http://schemas.microsoft.com/office/drawing/2017/decorative" val="1"/>
+              </a:ext>
+            </a:extLst>
+          </p:cNvPr>
+          <p:cNvSpPr>
+            <a:spLocks noGrp="1" noRot="1" noChangeAspect="1" noMove="1" noResize="1" noEditPoints="1" noAdjustHandles="1" noChangeArrowheads="1" noChangeShapeType="1" noTextEdit="1"/>
+          </p:cNvSpPr>
+          <p:nvPr>
+            <p:extLst>
+              <p:ext uri="{386F3935-93C4-4BCD-93E2-E3B085C9AB24}">
+                <p16:designElem xmlns:p16="http://schemas.microsoft.com/office/powerpoint/2015/main" val="1"/>
+              </p:ext>
+            </p:extLst>
+          </p:nvPr>
+        </p:nvSpPr>
+        <p:spPr>
+          <a:xfrm flipH="1">
+            <a:off x="8115299" y="-1"/>
+            <a:ext cx="4076698" cy="1590742"/>
+          </a:xfrm>
+          <a:prstGeom prst="rect">
+            <a:avLst/>
+          </a:prstGeom>
+          <a:gradFill>
+            <a:gsLst>
+              <a:gs pos="0">
+                <a:schemeClr val="accent1">
+                  <a:alpha val="66000"/>
+                </a:schemeClr>
+              </a:gs>
+              <a:gs pos="100000">
+                <a:srgbClr val="000000">
+                  <a:alpha val="30000"/>
+                </a:srgbClr>
+              </a:gs>
+            </a:gsLst>
+            <a:lin ang="13200000" scaled="0"/>
+          </a:gradFill>
+          <a:ln>
+            <a:noFill/>
+          </a:ln>
+        </p:spPr>
+        <p:style>
+          <a:lnRef idx="2">
+            <a:schemeClr val="accent1">
+              <a:shade val="50000"/>
+            </a:schemeClr>
+          </a:lnRef>
+          <a:fillRef idx="1">
+            <a:schemeClr val="accent1"/>
+          </a:fillRef>
+          <a:effectRef idx="0">
+            <a:schemeClr val="accent1"/>
+          </a:effectRef>
+          <a:fontRef idx="minor">
+            <a:schemeClr val="lt1"/>
+          </a:fontRef>
+        </p:style>
+        <p:txBody>
+          <a:bodyPr rtlCol="0" anchor="ctr"/>
+          <a:lstStyle/>
+          <a:p>
+            <a:pPr algn="ctr"/>
+            <a:endParaRPr lang="en-US"/>
+          </a:p>
+        </p:txBody>
+      </p:sp>
+      <p:sp>
+        <p:nvSpPr>
+          <p:cNvPr id="16" name="Rectangle 15">
+            <a:extLst>
+              <a:ext uri="{FF2B5EF4-FFF2-40B4-BE49-F238E27FC236}">
+                <a16:creationId xmlns:a16="http://schemas.microsoft.com/office/drawing/2014/main" id="{53E5B1A8-3AC9-4BD1-9BBC-78CA94F2D1BA}"/>
+              </a:ext>
+              <a:ext uri="{C183D7F6-B498-43B3-948B-1728B52AA6E4}">
+                <adec:decorative xmlns:adec="http://schemas.microsoft.com/office/drawing/2017/decorative" val="1"/>
+              </a:ext>
+            </a:extLst>
+          </p:cNvPr>
+          <p:cNvSpPr>
+            <a:spLocks noGrp="1" noRot="1" noChangeAspect="1" noMove="1" noResize="1" noEditPoints="1" noAdjustHandles="1" noChangeArrowheads="1" noChangeShapeType="1" noTextEdit="1"/>
+          </p:cNvSpPr>
+          <p:nvPr>
+            <p:extLst>
+              <p:ext uri="{386F3935-93C4-4BCD-93E2-E3B085C9AB24}">
+                <p16:designElem xmlns:p16="http://schemas.microsoft.com/office/powerpoint/2015/main" val="1"/>
+              </p:ext>
+            </p:extLst>
+          </p:nvPr>
+        </p:nvSpPr>
+        <p:spPr>
+          <a:xfrm>
+            <a:off x="459350" y="-1"/>
+            <a:ext cx="11732646" cy="1597433"/>
+          </a:xfrm>
+          <a:prstGeom prst="rect">
+            <a:avLst/>
+          </a:prstGeom>
+          <a:gradFill>
+            <a:gsLst>
+              <a:gs pos="50000">
+                <a:srgbClr val="000000">
+                  <a:alpha val="0"/>
+                </a:srgbClr>
+              </a:gs>
+              <a:gs pos="99000">
+                <a:schemeClr val="accent1">
+                  <a:lumMod val="50000"/>
+                  <a:alpha val="52000"/>
+                </a:schemeClr>
+              </a:gs>
+            </a:gsLst>
+            <a:lin ang="16800000" scaled="0"/>
+          </a:gradFill>
+          <a:ln>
+            <a:noFill/>
+          </a:ln>
+        </p:spPr>
+        <p:style>
+          <a:lnRef idx="2">
+            <a:schemeClr val="accent1">
+              <a:shade val="50000"/>
+            </a:schemeClr>
+          </a:lnRef>
+          <a:fillRef idx="1">
+            <a:schemeClr val="accent1"/>
+          </a:fillRef>
+          <a:effectRef idx="0">
+            <a:schemeClr val="accent1"/>
+          </a:effectRef>
+          <a:fontRef idx="minor">
+            <a:schemeClr val="lt1"/>
+          </a:fontRef>
+        </p:style>
+        <p:txBody>
+          <a:bodyPr rtlCol="0" anchor="ctr"/>
+          <a:lstStyle/>
+          <a:p>
+            <a:pPr algn="ctr"/>
+            <a:endParaRPr lang="en-US"/>
+          </a:p>
+        </p:txBody>
+      </p:sp>
+      <p:sp>
+        <p:nvSpPr>
+          <p:cNvPr id="2" name="タイトル 1">
+            <a:extLst>
+              <a:ext uri="{FF2B5EF4-FFF2-40B4-BE49-F238E27FC236}">
+                <a16:creationId xmlns:a16="http://schemas.microsoft.com/office/drawing/2014/main" id="{8D86E0A3-0B36-B87F-4EF5-0A9651EFF672}"/>
+              </a:ext>
+            </a:extLst>
+          </p:cNvPr>
+          <p:cNvSpPr>
+            <a:spLocks noGrp="1"/>
+          </p:cNvSpPr>
+          <p:nvPr>
+            <p:ph type="title"/>
+          </p:nvPr>
+        </p:nvSpPr>
+        <p:spPr>
+          <a:xfrm>
+            <a:off x="1371599" y="294538"/>
+            <a:ext cx="9895951" cy="1033669"/>
+          </a:xfrm>
+        </p:spPr>
+        <p:txBody>
+          <a:bodyPr>
+            <a:normAutofit/>
+          </a:bodyPr>
+          <a:lstStyle/>
+          <a:p>
+            <a:r>
+              <a:rPr kumimoji="1" lang="ja-JP" altLang="en-US" sz="4000">
+                <a:solidFill>
+                  <a:srgbClr val="FFFFFF"/>
+                </a:solidFill>
+              </a:rPr>
+              <a:t>システムの特徴</a:t>
+            </a:r>
+          </a:p>
+        </p:txBody>
+      </p:sp>
+      <p:sp>
+        <p:nvSpPr>
+          <p:cNvPr id="3" name="コンテンツ プレースホルダー 2">
+            <a:extLst>
+              <a:ext uri="{FF2B5EF4-FFF2-40B4-BE49-F238E27FC236}">
+                <a16:creationId xmlns:a16="http://schemas.microsoft.com/office/drawing/2014/main" id="{0251025D-B08B-9742-9457-276F09045FCB}"/>
+              </a:ext>
+            </a:extLst>
+          </p:cNvPr>
+          <p:cNvSpPr>
+            <a:spLocks noGrp="1"/>
+          </p:cNvSpPr>
+          <p:nvPr>
+            <p:ph idx="1"/>
+          </p:nvPr>
+        </p:nvSpPr>
+        <p:spPr>
+          <a:xfrm>
+            <a:off x="1371599" y="1891971"/>
+            <a:ext cx="9724031" cy="3053656"/>
+          </a:xfrm>
+        </p:spPr>
+        <p:txBody>
+          <a:bodyPr anchor="ctr">
+            <a:normAutofit/>
+          </a:bodyPr>
+          <a:lstStyle/>
+          <a:p>
+            <a:pPr marL="0" indent="0">
+              <a:buNone/>
+            </a:pPr>
+            <a:r>
+              <a:rPr kumimoji="1" lang="ja-JP" altLang="en-US" sz="2400" dirty="0"/>
+              <a:t>メンバー募集の掲示板なので、見やすさや使いやすさを意識して、チーム情報の投稿や応募、キャンセル、編集、削除等の基本的なシステムのみを実装しております。</a:t>
+            </a:r>
+            <a:endParaRPr kumimoji="1" lang="en-US" altLang="ja-JP" sz="2400" dirty="0"/>
+          </a:p>
+          <a:p>
+            <a:pPr marL="0" indent="0">
+              <a:buNone/>
+            </a:pPr>
+            <a:r>
+              <a:rPr lang="ja-JP" altLang="en-US" sz="2400" dirty="0"/>
+              <a:t>都道府県と競技の種類で絞り込みを行える検索機能を実装しております。</a:t>
+            </a:r>
+            <a:endParaRPr kumimoji="1" lang="ja-JP" altLang="en-US" sz="2400" dirty="0"/>
+          </a:p>
+        </p:txBody>
+      </p:sp>
+    </p:spTree>
+    <p:extLst>
+      <p:ext uri="{BB962C8B-B14F-4D97-AF65-F5344CB8AC3E}">
+        <p14:creationId xmlns:p14="http://schemas.microsoft.com/office/powerpoint/2010/main" val="597119944"/>
+      </p:ext>
+    </p:extLst>
+  </p:cSld>
+  <p:clrMapOvr>
+    <a:masterClrMapping/>
+  </p:clrMapOvr>
+</p:sld>
+</file>
+
+<file path=ppt/slides/slide5.xml><?xml version="1.0" encoding="utf-8"?>
+<p:sld xmlns:a="http://schemas.openxmlformats.org/drawingml/2006/main" xmlns:r="http://schemas.openxmlformats.org/officeDocument/2006/relationships" xmlns:p="http://schemas.openxmlformats.org/presentationml/2006/main">
+  <p:cSld>
+    <p:bg>
+      <p:bgPr>
+        <a:solidFill>
+          <a:schemeClr val="bg1"/>
+        </a:solidFill>
+        <a:effectLst/>
+      </p:bgPr>
+    </p:bg>
+    <p:spTree>
+      <p:nvGrpSpPr>
+        <p:cNvPr id="1" name=""/>
+        <p:cNvGrpSpPr/>
+        <p:nvPr/>
+      </p:nvGrpSpPr>
+      <p:grpSpPr>
+        <a:xfrm>
+          <a:off x="0" y="0"/>
+          <a:ext cx="0" cy="0"/>
+          <a:chOff x="0" y="0"/>
+          <a:chExt cx="0" cy="0"/>
+        </a:xfrm>
+      </p:grpSpPr>
+      <p:sp useBgFill="1">
+        <p:nvSpPr>
           <p:cNvPr id="23" name="Rectangle 22">
             <a:extLst>
               <a:ext uri="{FF2B5EF4-FFF2-40B4-BE49-F238E27FC236}">
@@ -5926,7 +6429,7 @@
 </p:sld>
 </file>
 
-<file path=ppt/slides/slide5.xml><?xml version="1.0" encoding="utf-8"?>
+<file path=ppt/slides/slide6.xml><?xml version="1.0" encoding="utf-8"?>
 <p:sld xmlns:a="http://schemas.openxmlformats.org/drawingml/2006/main" xmlns:r="http://schemas.openxmlformats.org/officeDocument/2006/relationships" xmlns:p="http://schemas.openxmlformats.org/presentationml/2006/main">
   <p:cSld>
     <p:bg>
@@ -6356,18 +6859,13 @@
           <a:lstStyle/>
           <a:p>
             <a:r>
-              <a:rPr lang="ja-JP" altLang="en-US" sz="4000" dirty="0">
+              <a:rPr kumimoji="1" lang="ja-JP" altLang="en-US" sz="4000" dirty="0">
                 <a:solidFill>
                   <a:srgbClr val="FFFFFF"/>
                 </a:solidFill>
               </a:rPr>
-              <a:t>システムの特徴</a:t>
-            </a:r>
-            <a:endParaRPr kumimoji="1" lang="ja-JP" altLang="en-US" sz="4000" dirty="0">
-              <a:solidFill>
-                <a:srgbClr val="FFFFFF"/>
-              </a:solidFill>
-            </a:endParaRPr>
+              <a:t>作成にあたり意識したこと</a:t>
+            </a:r>
           </a:p>
         </p:txBody>
       </p:sp>
@@ -6411,7 +6909,17 @@
             </a:pPr>
             <a:r>
               <a:rPr lang="ja-JP" altLang="en-US" sz="2000" dirty="0"/>
-              <a:t>メンバー募集や募集に応募するシステムなので、シンプルなレイアウトのほうが　　利用しやすいと思った。</a:t>
+              <a:t>メンバー募集や募集に応募するシステムなので、見やすさを意識してシンプルなレイアウトで作成しております。</a:t>
+            </a:r>
+            <a:endParaRPr lang="en-US" altLang="ja-JP" sz="2000" dirty="0"/>
+          </a:p>
+          <a:p>
+            <a:pPr marL="0" indent="0">
+              <a:buNone/>
+            </a:pPr>
+            <a:r>
+              <a:rPr lang="ja-JP" altLang="en-US" sz="2000" dirty="0"/>
+              <a:t>また、投稿や応募等の複数のシステムを利用できるので、編集や削除を行う際にポップアップ表示のみで終わらせるのか、確認画面まで表示するのかページの遷移数を意識して作成しました。</a:t>
             </a:r>
             <a:endParaRPr lang="en-US" altLang="ja-JP" sz="2000" dirty="0"/>
           </a:p>
@@ -6425,23 +6933,6 @@
             <a:pPr marL="0" indent="0">
               <a:buNone/>
             </a:pPr>
-            <a:r>
-              <a:rPr lang="ja-JP" altLang="en-US" sz="2400" dirty="0"/>
-              <a:t>・検索機能</a:t>
-            </a:r>
-            <a:endParaRPr lang="en-US" altLang="ja-JP" sz="2400" dirty="0"/>
-          </a:p>
-          <a:p>
-            <a:pPr marL="0" indent="0">
-              <a:buNone/>
-            </a:pPr>
-            <a:r>
-              <a:rPr lang="ja-JP" altLang="en-US" sz="2000" dirty="0"/>
-              <a:t>応募する時に検索機能で絞り込めた方が明らかにストレスなく自分に合った投稿を見つけることができると思った。</a:t>
-            </a:r>
-            <a:endParaRPr lang="en-US" altLang="ja-JP" sz="2000" dirty="0"/>
-          </a:p>
-          <a:p>
             <a:endParaRPr lang="ja-JP" altLang="en-US" sz="2000" dirty="0"/>
           </a:p>
         </p:txBody>
@@ -6459,7 +6950,7 @@
 </p:sld>
 </file>
 
-<file path=ppt/slides/slide6.xml><?xml version="1.0" encoding="utf-8"?>
+<file path=ppt/slides/slide7.xml><?xml version="1.0" encoding="utf-8"?>
 <p:sld xmlns:a="http://schemas.openxmlformats.org/drawingml/2006/main" xmlns:r="http://schemas.openxmlformats.org/officeDocument/2006/relationships" xmlns:p="http://schemas.openxmlformats.org/presentationml/2006/main">
   <p:cSld>
     <p:bg>
@@ -6948,6 +7439,12 @@
             <a:pPr marL="0" indent="0">
               <a:buNone/>
             </a:pPr>
+            <a:endParaRPr kumimoji="1" lang="en-US" altLang="ja-JP" dirty="0"/>
+          </a:p>
+          <a:p>
+            <a:pPr marL="0" indent="0">
+              <a:buNone/>
+            </a:pPr>
             <a:r>
               <a:rPr lang="ja-JP" altLang="en-US" dirty="0"/>
               <a:t>・パスワード変更の際に、メールでパスワード変更の</a:t>
@@ -6977,7 +7474,7 @@
 </p:sld>
 </file>
 
-<file path=ppt/slides/slide7.xml><?xml version="1.0" encoding="utf-8"?>
+<file path=ppt/slides/slide8.xml><?xml version="1.0" encoding="utf-8"?>
 <p:sld xmlns:a="http://schemas.openxmlformats.org/drawingml/2006/main" xmlns:r="http://schemas.openxmlformats.org/officeDocument/2006/relationships" xmlns:p="http://schemas.openxmlformats.org/presentationml/2006/main">
   <p:cSld>
     <p:bg>
@@ -7468,7 +7965,7 @@
             </a:pPr>
             <a:r>
               <a:rPr lang="ja-JP" altLang="en-US" sz="2400" dirty="0"/>
-              <a:t>ユーザを意識し自分では感じることができない欲しい機能や、使いづらさを考えることが難しく感じた。</a:t>
+              <a:t>利用するユーザが欲しい機能や、使いづらさを客観的に考えることが難しく感じた。</a:t>
             </a:r>
             <a:endParaRPr lang="en-US" altLang="ja-JP" sz="2400" dirty="0"/>
           </a:p>
@@ -7486,23 +7983,15 @@
             </a:r>
             <a:r>
               <a:rPr kumimoji="1" lang="ja-JP" altLang="en-US" sz="2400" dirty="0"/>
-              <a:t>より難しく感じることが多くあると思うが、今回学んだ</a:t>
-            </a:r>
-            <a:r>
-              <a:rPr kumimoji="1" lang="ja-JP" altLang="en-US" sz="2400"/>
-              <a:t>自分で</a:t>
-            </a:r>
-            <a:r>
-              <a:rPr lang="ja-JP" altLang="en-US" sz="2400"/>
+              <a:t>より難しく感じることが多くあると思うが、今回学んだ自分で</a:t>
+            </a:r>
+            <a:r>
+              <a:rPr lang="ja-JP" altLang="en-US" sz="2400" dirty="0"/>
               <a:t>考え抜く</a:t>
             </a:r>
             <a:r>
-              <a:rPr kumimoji="1" lang="ja-JP" altLang="en-US" sz="2400"/>
-              <a:t>と</a:t>
-            </a:r>
-            <a:r>
               <a:rPr kumimoji="1" lang="ja-JP" altLang="en-US" sz="2400" dirty="0"/>
-              <a:t>いうことを意識して取り組んでいきたい。</a:t>
+              <a:t>ということを意識して取り組んでいきたい。</a:t>
             </a:r>
           </a:p>
         </p:txBody>
